--- a/Presentation1.pptx
+++ b/Presentation1.pptx
@@ -9,9 +9,10 @@
     <p:sldId id="257" r:id="rId3"/>
     <p:sldId id="258" r:id="rId4"/>
     <p:sldId id="259" r:id="rId5"/>
-    <p:sldId id="260" r:id="rId6"/>
-    <p:sldId id="261" r:id="rId7"/>
-    <p:sldId id="262" r:id="rId8"/>
+    <p:sldId id="263" r:id="rId6"/>
+    <p:sldId id="260" r:id="rId7"/>
+    <p:sldId id="261" r:id="rId8"/>
+    <p:sldId id="262" r:id="rId9"/>
   </p:sldIdLst>
   <p:sldSz cx="12192000" cy="6858000"/>
   <p:notesSz cx="6858000" cy="9144000"/>
@@ -3859,24 +3860,20 @@
           <a:p>
             <a:r>
               <a:rPr lang="en-US" dirty="0"/>
-              <a:t>I will be removing </a:t>
+              <a:t>Approaches to achieve a maximum accuracy</a:t>
             </a:r>
           </a:p>
           <a:p>
             <a:pPr lvl="1"/>
             <a:r>
               <a:rPr lang="en-US" dirty="0"/>
-              <a:t>the ‘ID’ Column</a:t>
-            </a:r>
-          </a:p>
-          <a:p>
-            <a:pPr lvl="1"/>
-            <a:r>
-              <a:rPr lang="en-US" dirty="0"/>
-              <a:t>records of previous 6 month where no payment information is shown</a:t>
-            </a:r>
-          </a:p>
-          <a:p>
+              <a:t>Input all data Categories</a:t>
+            </a:r>
+          </a:p>
+          <a:p>
+            <a:pPr marL="457200" lvl="1" indent="0">
+              <a:buNone/>
+            </a:pPr>
             <a:endParaRPr lang="en-US" dirty="0"/>
           </a:p>
         </p:txBody>
@@ -3886,7 +3883,7 @@
           <p:cNvPr id="5" name="Picture 4">
             <a:extLst>
               <a:ext uri="{FF2B5EF4-FFF2-40B4-BE49-F238E27FC236}">
-                <a16:creationId xmlns:a16="http://schemas.microsoft.com/office/drawing/2014/main" id="{B9DD80CB-EB90-2949-91B9-585AE1392FCB}"/>
+                <a16:creationId xmlns:a16="http://schemas.microsoft.com/office/drawing/2014/main" id="{44E6156B-2974-154A-ABC8-EB573ED6CC88}"/>
               </a:ext>
             </a:extLst>
           </p:cNvPr>
@@ -3895,16 +3892,15 @@
           </p:cNvPicPr>
           <p:nvPr/>
         </p:nvPicPr>
-        <p:blipFill>
+        <p:blipFill rotWithShape="1">
           <a:blip r:embed="rId2"/>
-          <a:stretch>
-            <a:fillRect/>
-          </a:stretch>
+          <a:srcRect r="5781"/>
+          <a:stretch/>
         </p:blipFill>
         <p:spPr>
           <a:xfrm>
-            <a:off x="1648919" y="3069966"/>
-            <a:ext cx="8529402" cy="3422909"/>
+            <a:off x="352425" y="2903587"/>
+            <a:ext cx="11487150" cy="3140820"/>
           </a:xfrm>
           <a:prstGeom prst="rect">
             <a:avLst/>
@@ -3914,7 +3910,7 @@
     </p:spTree>
     <p:extLst>
       <p:ext uri="{BB962C8B-B14F-4D97-AF65-F5344CB8AC3E}">
-        <p14:creationId xmlns:p14="http://schemas.microsoft.com/office/powerpoint/2010/main" val="1541722372"/>
+        <p14:creationId xmlns:p14="http://schemas.microsoft.com/office/powerpoint/2010/main" val="1265209840"/>
       </p:ext>
     </p:extLst>
   </p:cSld>
@@ -3946,7 +3942,7 @@
           <p:cNvPr id="2" name="Title 1">
             <a:extLst>
               <a:ext uri="{FF2B5EF4-FFF2-40B4-BE49-F238E27FC236}">
-                <a16:creationId xmlns:a16="http://schemas.microsoft.com/office/drawing/2014/main" id="{EE5717F7-527E-1A48-839A-C03AE5CA284D}"/>
+                <a16:creationId xmlns:a16="http://schemas.microsoft.com/office/drawing/2014/main" id="{D34781B1-2D5A-3141-A484-98B7107C76C7}"/>
               </a:ext>
             </a:extLst>
           </p:cNvPr>
@@ -3964,7 +3960,7 @@
           <a:p>
             <a:r>
               <a:rPr lang="en-US" dirty="0"/>
-              <a:t>Patterns Using KNN</a:t>
+              <a:t>Preprocessing</a:t>
             </a:r>
           </a:p>
         </p:txBody>
@@ -3974,7 +3970,7 @@
           <p:cNvPr id="3" name="Content Placeholder 2">
             <a:extLst>
               <a:ext uri="{FF2B5EF4-FFF2-40B4-BE49-F238E27FC236}">
-                <a16:creationId xmlns:a16="http://schemas.microsoft.com/office/drawing/2014/main" id="{8952FDE2-6CCB-9949-9454-087E728E9321}"/>
+                <a16:creationId xmlns:a16="http://schemas.microsoft.com/office/drawing/2014/main" id="{D173D936-327A-2047-85A8-53BA3FA0573B}"/>
               </a:ext>
             </a:extLst>
           </p:cNvPr>
@@ -3990,17 +3986,64 @@
           <a:bodyPr/>
           <a:lstStyle/>
           <a:p>
-            <a:pPr marL="0" indent="0">
+            <a:r>
+              <a:rPr lang="en-US" dirty="0"/>
+              <a:t>Approaches to achieve a maximum accuracy</a:t>
+            </a:r>
+          </a:p>
+          <a:p>
+            <a:pPr lvl="1"/>
+            <a:r>
+              <a:rPr lang="en-US" dirty="0"/>
+              <a:t>Splitting Data into </a:t>
+            </a:r>
+            <a:r>
+              <a:rPr lang="en-US"/>
+              <a:t>particular categories</a:t>
+            </a:r>
+            <a:endParaRPr lang="en-US" dirty="0"/>
+          </a:p>
+          <a:p>
+            <a:pPr marL="457200" lvl="1" indent="0">
               <a:buNone/>
             </a:pPr>
             <a:endParaRPr lang="en-US" dirty="0"/>
           </a:p>
         </p:txBody>
       </p:sp>
+      <p:pic>
+        <p:nvPicPr>
+          <p:cNvPr id="6" name="Picture 5">
+            <a:extLst>
+              <a:ext uri="{FF2B5EF4-FFF2-40B4-BE49-F238E27FC236}">
+                <a16:creationId xmlns:a16="http://schemas.microsoft.com/office/drawing/2014/main" id="{44907796-5AB8-D04E-BFFC-4E8C6B60FD67}"/>
+              </a:ext>
+            </a:extLst>
+          </p:cNvPr>
+          <p:cNvPicPr>
+            <a:picLocks noChangeAspect="1"/>
+          </p:cNvPicPr>
+          <p:nvPr/>
+        </p:nvPicPr>
+        <p:blipFill rotWithShape="1">
+          <a:blip r:embed="rId2"/>
+          <a:srcRect r="5962"/>
+          <a:stretch/>
+        </p:blipFill>
+        <p:spPr>
+          <a:xfrm>
+            <a:off x="363415" y="2902793"/>
+            <a:ext cx="11465169" cy="3140820"/>
+          </a:xfrm>
+          <a:prstGeom prst="rect">
+            <a:avLst/>
+          </a:prstGeom>
+        </p:spPr>
+      </p:pic>
     </p:spTree>
     <p:extLst>
       <p:ext uri="{BB962C8B-B14F-4D97-AF65-F5344CB8AC3E}">
-        <p14:creationId xmlns:p14="http://schemas.microsoft.com/office/powerpoint/2010/main" val="3111581132"/>
+        <p14:creationId xmlns:p14="http://schemas.microsoft.com/office/powerpoint/2010/main" val="1541722372"/>
       </p:ext>
     </p:extLst>
   </p:cSld>
@@ -4032,6 +4075,92 @@
           <p:cNvPr id="2" name="Title 1">
             <a:extLst>
               <a:ext uri="{FF2B5EF4-FFF2-40B4-BE49-F238E27FC236}">
+                <a16:creationId xmlns:a16="http://schemas.microsoft.com/office/drawing/2014/main" id="{EE5717F7-527E-1A48-839A-C03AE5CA284D}"/>
+              </a:ext>
+            </a:extLst>
+          </p:cNvPr>
+          <p:cNvSpPr>
+            <a:spLocks noGrp="1"/>
+          </p:cNvSpPr>
+          <p:nvPr>
+            <p:ph type="title"/>
+          </p:nvPr>
+        </p:nvSpPr>
+        <p:spPr/>
+        <p:txBody>
+          <a:bodyPr/>
+          <a:lstStyle/>
+          <a:p>
+            <a:r>
+              <a:rPr lang="en-US" dirty="0"/>
+              <a:t>Patterns Using KNN</a:t>
+            </a:r>
+          </a:p>
+        </p:txBody>
+      </p:sp>
+      <p:sp>
+        <p:nvSpPr>
+          <p:cNvPr id="3" name="Content Placeholder 2">
+            <a:extLst>
+              <a:ext uri="{FF2B5EF4-FFF2-40B4-BE49-F238E27FC236}">
+                <a16:creationId xmlns:a16="http://schemas.microsoft.com/office/drawing/2014/main" id="{8952FDE2-6CCB-9949-9454-087E728E9321}"/>
+              </a:ext>
+            </a:extLst>
+          </p:cNvPr>
+          <p:cNvSpPr>
+            <a:spLocks noGrp="1"/>
+          </p:cNvSpPr>
+          <p:nvPr>
+            <p:ph idx="1"/>
+          </p:nvPr>
+        </p:nvSpPr>
+        <p:spPr/>
+        <p:txBody>
+          <a:bodyPr/>
+          <a:lstStyle/>
+          <a:p>
+            <a:pPr marL="0" indent="0">
+              <a:buNone/>
+            </a:pPr>
+            <a:endParaRPr lang="en-US" dirty="0"/>
+          </a:p>
+        </p:txBody>
+      </p:sp>
+    </p:spTree>
+    <p:extLst>
+      <p:ext uri="{BB962C8B-B14F-4D97-AF65-F5344CB8AC3E}">
+        <p14:creationId xmlns:p14="http://schemas.microsoft.com/office/powerpoint/2010/main" val="3111581132"/>
+      </p:ext>
+    </p:extLst>
+  </p:cSld>
+  <p:clrMapOvr>
+    <a:masterClrMapping/>
+  </p:clrMapOvr>
+</p:sld>
+</file>
+
+<file path=ppt/slides/slide8.xml><?xml version="1.0" encoding="utf-8"?>
+<p:sld xmlns:a="http://schemas.openxmlformats.org/drawingml/2006/main" xmlns:r="http://schemas.openxmlformats.org/officeDocument/2006/relationships" xmlns:p="http://schemas.openxmlformats.org/presentationml/2006/main">
+  <p:cSld>
+    <p:spTree>
+      <p:nvGrpSpPr>
+        <p:cNvPr id="1" name=""/>
+        <p:cNvGrpSpPr/>
+        <p:nvPr/>
+      </p:nvGrpSpPr>
+      <p:grpSpPr>
+        <a:xfrm>
+          <a:off x="0" y="0"/>
+          <a:ext cx="0" cy="0"/>
+          <a:chOff x="0" y="0"/>
+          <a:chExt cx="0" cy="0"/>
+        </a:xfrm>
+      </p:grpSpPr>
+      <p:sp>
+        <p:nvSpPr>
+          <p:cNvPr id="2" name="Title 1">
+            <a:extLst>
+              <a:ext uri="{FF2B5EF4-FFF2-40B4-BE49-F238E27FC236}">
                 <a16:creationId xmlns:a16="http://schemas.microsoft.com/office/drawing/2014/main" id="{F8D33029-3F04-F649-ACBC-562856AA3D3D}"/>
               </a:ext>
             </a:extLst>
@@ -4053,9 +4182,10 @@
               <a:t>Patterns Using </a:t>
             </a:r>
             <a:r>
-              <a:rPr lang="en-US"/>
+              <a:rPr lang="en-US" dirty="0" err="1"/>
               <a:t>RandomForest</a:t>
             </a:r>
+            <a:endParaRPr lang="en-US" dirty="0"/>
           </a:p>
         </p:txBody>
       </p:sp>
